--- a/ppt 16-9/0302.神的教会.pptx
+++ b/ppt 16-9/0302.神的教会.pptx
@@ -5,7 +5,7 @@
     <p:sldMasterId id="2147483648" r:id="rId1"/>
   </p:sldMasterIdLst>
   <p:sldIdLst>
-    <p:sldId id="3181" r:id="rId2"/>
+    <p:sldId id="3182" r:id="rId2"/>
   </p:sldIdLst>
   <p:sldSz cx="12192000" cy="6858000"/>
   <p:notesSz cx="6858000" cy="9144000"/>
@@ -129,7 +129,7 @@
           <p:cNvPr id="2" name="标题 1">
             <a:extLst>
               <a:ext uri="{FF2B5EF4-FFF2-40B4-BE49-F238E27FC236}">
-                <a16:creationId xmlns:a16="http://schemas.microsoft.com/office/drawing/2014/main" id="{7C0E9F12-646D-8076-BA00-B22546FAD919}"/>
+                <a16:creationId xmlns:a16="http://schemas.microsoft.com/office/drawing/2014/main" id="{1425E723-C6E1-08AD-3A14-EFFD8A989585}"/>
               </a:ext>
             </a:extLst>
           </p:cNvPr>
@@ -166,7 +166,7 @@
           <p:cNvPr id="3" name="副标题 2">
             <a:extLst>
               <a:ext uri="{FF2B5EF4-FFF2-40B4-BE49-F238E27FC236}">
-                <a16:creationId xmlns:a16="http://schemas.microsoft.com/office/drawing/2014/main" id="{F53B78A0-D031-AB7B-82F1-351469A17C8E}"/>
+                <a16:creationId xmlns:a16="http://schemas.microsoft.com/office/drawing/2014/main" id="{9EA10EA3-9B28-3EB8-A74F-BE69A853830B}"/>
               </a:ext>
             </a:extLst>
           </p:cNvPr>
@@ -236,7 +236,7 @@
           <p:cNvPr id="4" name="日期占位符 3">
             <a:extLst>
               <a:ext uri="{FF2B5EF4-FFF2-40B4-BE49-F238E27FC236}">
-                <a16:creationId xmlns:a16="http://schemas.microsoft.com/office/drawing/2014/main" id="{B453A233-F3F2-F4A2-EA3A-D375692B2E33}"/>
+                <a16:creationId xmlns:a16="http://schemas.microsoft.com/office/drawing/2014/main" id="{7BA593D6-558C-6F2B-6FEE-25DD07B2382D}"/>
               </a:ext>
             </a:extLst>
           </p:cNvPr>
@@ -252,7 +252,7 @@
           <a:bodyPr/>
           <a:lstStyle/>
           <a:p>
-            <a:fld id="{53672114-30C2-46B3-B522-006BDF0FFBD5}" type="datetimeFigureOut">
+            <a:fld id="{96DCA99A-0942-4E5C-8BE3-BC129AAB6874}" type="datetimeFigureOut">
               <a:rPr lang="zh-CN" altLang="en-US" smtClean="0"/>
               <a:t>2024/3/10</a:t>
             </a:fld>
@@ -265,7 +265,7 @@
           <p:cNvPr id="5" name="页脚占位符 4">
             <a:extLst>
               <a:ext uri="{FF2B5EF4-FFF2-40B4-BE49-F238E27FC236}">
-                <a16:creationId xmlns:a16="http://schemas.microsoft.com/office/drawing/2014/main" id="{18F0FFBA-F38B-A8BB-7FFF-D2B736E02119}"/>
+                <a16:creationId xmlns:a16="http://schemas.microsoft.com/office/drawing/2014/main" id="{A26294EB-ACD8-0D86-59B5-6DC3ED8DC45D}"/>
               </a:ext>
             </a:extLst>
           </p:cNvPr>
@@ -290,7 +290,7 @@
           <p:cNvPr id="6" name="灯片编号占位符 5">
             <a:extLst>
               <a:ext uri="{FF2B5EF4-FFF2-40B4-BE49-F238E27FC236}">
-                <a16:creationId xmlns:a16="http://schemas.microsoft.com/office/drawing/2014/main" id="{ACD79FE1-BFC9-D148-CF8C-EAD1A13061E2}"/>
+                <a16:creationId xmlns:a16="http://schemas.microsoft.com/office/drawing/2014/main" id="{7B567644-4110-BE33-0AE5-4B4F31933C4A}"/>
               </a:ext>
             </a:extLst>
           </p:cNvPr>
@@ -306,7 +306,7 @@
           <a:bodyPr/>
           <a:lstStyle/>
           <a:p>
-            <a:fld id="{227621B1-EDD7-4871-B9B8-AEC6583AC0CD}" type="slidenum">
+            <a:fld id="{270D7DBA-6E3D-4535-A78D-11AD5FB99210}" type="slidenum">
               <a:rPr lang="zh-CN" altLang="en-US" smtClean="0"/>
               <a:t>‹#›</a:t>
             </a:fld>
@@ -317,7 +317,7 @@
     </p:spTree>
     <p:extLst>
       <p:ext uri="{BB962C8B-B14F-4D97-AF65-F5344CB8AC3E}">
-        <p14:creationId xmlns:p14="http://schemas.microsoft.com/office/powerpoint/2010/main" val="2046371532"/>
+        <p14:creationId xmlns:p14="http://schemas.microsoft.com/office/powerpoint/2010/main" val="1403169548"/>
       </p:ext>
     </p:extLst>
   </p:cSld>
@@ -349,7 +349,7 @@
           <p:cNvPr id="2" name="标题 1">
             <a:extLst>
               <a:ext uri="{FF2B5EF4-FFF2-40B4-BE49-F238E27FC236}">
-                <a16:creationId xmlns:a16="http://schemas.microsoft.com/office/drawing/2014/main" id="{61C8FC4B-D57D-DB0A-B59C-705DCDFE993F}"/>
+                <a16:creationId xmlns:a16="http://schemas.microsoft.com/office/drawing/2014/main" id="{8D77DAAE-4DEB-6C5F-5688-E5335ADF4C59}"/>
               </a:ext>
             </a:extLst>
           </p:cNvPr>
@@ -377,7 +377,7 @@
           <p:cNvPr id="3" name="竖排文字占位符 2">
             <a:extLst>
               <a:ext uri="{FF2B5EF4-FFF2-40B4-BE49-F238E27FC236}">
-                <a16:creationId xmlns:a16="http://schemas.microsoft.com/office/drawing/2014/main" id="{4F455DAF-A258-5193-05AE-26AA00FC4E32}"/>
+                <a16:creationId xmlns:a16="http://schemas.microsoft.com/office/drawing/2014/main" id="{6C6B6EC3-4327-98AB-6E5F-3A72B71C30F9}"/>
               </a:ext>
             </a:extLst>
           </p:cNvPr>
@@ -434,7 +434,7 @@
           <p:cNvPr id="4" name="日期占位符 3">
             <a:extLst>
               <a:ext uri="{FF2B5EF4-FFF2-40B4-BE49-F238E27FC236}">
-                <a16:creationId xmlns:a16="http://schemas.microsoft.com/office/drawing/2014/main" id="{9B6AC253-8E3F-E4DC-486E-CEA6D4206AC2}"/>
+                <a16:creationId xmlns:a16="http://schemas.microsoft.com/office/drawing/2014/main" id="{1FAE3B5A-6BAF-3C82-8C0B-419BA690B280}"/>
               </a:ext>
             </a:extLst>
           </p:cNvPr>
@@ -450,7 +450,7 @@
           <a:bodyPr/>
           <a:lstStyle/>
           <a:p>
-            <a:fld id="{53672114-30C2-46B3-B522-006BDF0FFBD5}" type="datetimeFigureOut">
+            <a:fld id="{96DCA99A-0942-4E5C-8BE3-BC129AAB6874}" type="datetimeFigureOut">
               <a:rPr lang="zh-CN" altLang="en-US" smtClean="0"/>
               <a:t>2024/3/10</a:t>
             </a:fld>
@@ -463,7 +463,7 @@
           <p:cNvPr id="5" name="页脚占位符 4">
             <a:extLst>
               <a:ext uri="{FF2B5EF4-FFF2-40B4-BE49-F238E27FC236}">
-                <a16:creationId xmlns:a16="http://schemas.microsoft.com/office/drawing/2014/main" id="{420CED75-3708-0C0B-0488-86D9CBEF9A2E}"/>
+                <a16:creationId xmlns:a16="http://schemas.microsoft.com/office/drawing/2014/main" id="{844FC423-1F24-360D-1B4D-374F8F84BA37}"/>
               </a:ext>
             </a:extLst>
           </p:cNvPr>
@@ -488,7 +488,7 @@
           <p:cNvPr id="6" name="灯片编号占位符 5">
             <a:extLst>
               <a:ext uri="{FF2B5EF4-FFF2-40B4-BE49-F238E27FC236}">
-                <a16:creationId xmlns:a16="http://schemas.microsoft.com/office/drawing/2014/main" id="{9D5C1FF9-72F9-D413-4AE0-EEA0AC84D374}"/>
+                <a16:creationId xmlns:a16="http://schemas.microsoft.com/office/drawing/2014/main" id="{0D641AB3-26B4-7E7E-D615-205066CC968A}"/>
               </a:ext>
             </a:extLst>
           </p:cNvPr>
@@ -504,7 +504,7 @@
           <a:bodyPr/>
           <a:lstStyle/>
           <a:p>
-            <a:fld id="{227621B1-EDD7-4871-B9B8-AEC6583AC0CD}" type="slidenum">
+            <a:fld id="{270D7DBA-6E3D-4535-A78D-11AD5FB99210}" type="slidenum">
               <a:rPr lang="zh-CN" altLang="en-US" smtClean="0"/>
               <a:t>‹#›</a:t>
             </a:fld>
@@ -515,7 +515,7 @@
     </p:spTree>
     <p:extLst>
       <p:ext uri="{BB962C8B-B14F-4D97-AF65-F5344CB8AC3E}">
-        <p14:creationId xmlns:p14="http://schemas.microsoft.com/office/powerpoint/2010/main" val="3986335683"/>
+        <p14:creationId xmlns:p14="http://schemas.microsoft.com/office/powerpoint/2010/main" val="579520546"/>
       </p:ext>
     </p:extLst>
   </p:cSld>
@@ -547,7 +547,7 @@
           <p:cNvPr id="2" name="竖排标题 1">
             <a:extLst>
               <a:ext uri="{FF2B5EF4-FFF2-40B4-BE49-F238E27FC236}">
-                <a16:creationId xmlns:a16="http://schemas.microsoft.com/office/drawing/2014/main" id="{67008C11-8517-657B-9F88-83BB738933E8}"/>
+                <a16:creationId xmlns:a16="http://schemas.microsoft.com/office/drawing/2014/main" id="{8A1ADF5E-2641-7A42-79B5-8ED40CE67E54}"/>
               </a:ext>
             </a:extLst>
           </p:cNvPr>
@@ -580,7 +580,7 @@
           <p:cNvPr id="3" name="竖排文字占位符 2">
             <a:extLst>
               <a:ext uri="{FF2B5EF4-FFF2-40B4-BE49-F238E27FC236}">
-                <a16:creationId xmlns:a16="http://schemas.microsoft.com/office/drawing/2014/main" id="{126BBD3A-85F5-CD2D-9EC9-9299C97A2DFC}"/>
+                <a16:creationId xmlns:a16="http://schemas.microsoft.com/office/drawing/2014/main" id="{91F134EE-2B64-55A0-76AF-B2917FF5CADB}"/>
               </a:ext>
             </a:extLst>
           </p:cNvPr>
@@ -642,7 +642,7 @@
           <p:cNvPr id="4" name="日期占位符 3">
             <a:extLst>
               <a:ext uri="{FF2B5EF4-FFF2-40B4-BE49-F238E27FC236}">
-                <a16:creationId xmlns:a16="http://schemas.microsoft.com/office/drawing/2014/main" id="{0C79E309-15F2-72A2-6F91-46FE680BF009}"/>
+                <a16:creationId xmlns:a16="http://schemas.microsoft.com/office/drawing/2014/main" id="{0FE43FDD-9825-6763-8F5F-732F382DEF10}"/>
               </a:ext>
             </a:extLst>
           </p:cNvPr>
@@ -658,7 +658,7 @@
           <a:bodyPr/>
           <a:lstStyle/>
           <a:p>
-            <a:fld id="{53672114-30C2-46B3-B522-006BDF0FFBD5}" type="datetimeFigureOut">
+            <a:fld id="{96DCA99A-0942-4E5C-8BE3-BC129AAB6874}" type="datetimeFigureOut">
               <a:rPr lang="zh-CN" altLang="en-US" smtClean="0"/>
               <a:t>2024/3/10</a:t>
             </a:fld>
@@ -671,7 +671,7 @@
           <p:cNvPr id="5" name="页脚占位符 4">
             <a:extLst>
               <a:ext uri="{FF2B5EF4-FFF2-40B4-BE49-F238E27FC236}">
-                <a16:creationId xmlns:a16="http://schemas.microsoft.com/office/drawing/2014/main" id="{8B7AD7BE-B2A5-630F-69F1-8C10AD12C95A}"/>
+                <a16:creationId xmlns:a16="http://schemas.microsoft.com/office/drawing/2014/main" id="{211CF17C-B6FB-1DCE-0956-5536405EB5E9}"/>
               </a:ext>
             </a:extLst>
           </p:cNvPr>
@@ -696,7 +696,7 @@
           <p:cNvPr id="6" name="灯片编号占位符 5">
             <a:extLst>
               <a:ext uri="{FF2B5EF4-FFF2-40B4-BE49-F238E27FC236}">
-                <a16:creationId xmlns:a16="http://schemas.microsoft.com/office/drawing/2014/main" id="{1B16C68C-FF02-9A99-BE9C-1E9BC0DAFB89}"/>
+                <a16:creationId xmlns:a16="http://schemas.microsoft.com/office/drawing/2014/main" id="{E9921732-034C-9B03-6ED1-6AC7466BCC05}"/>
               </a:ext>
             </a:extLst>
           </p:cNvPr>
@@ -712,7 +712,7 @@
           <a:bodyPr/>
           <a:lstStyle/>
           <a:p>
-            <a:fld id="{227621B1-EDD7-4871-B9B8-AEC6583AC0CD}" type="slidenum">
+            <a:fld id="{270D7DBA-6E3D-4535-A78D-11AD5FB99210}" type="slidenum">
               <a:rPr lang="zh-CN" altLang="en-US" smtClean="0"/>
               <a:t>‹#›</a:t>
             </a:fld>
@@ -723,7 +723,7 @@
     </p:spTree>
     <p:extLst>
       <p:ext uri="{BB962C8B-B14F-4D97-AF65-F5344CB8AC3E}">
-        <p14:creationId xmlns:p14="http://schemas.microsoft.com/office/powerpoint/2010/main" val="3448559093"/>
+        <p14:creationId xmlns:p14="http://schemas.microsoft.com/office/powerpoint/2010/main" val="2907422690"/>
       </p:ext>
     </p:extLst>
   </p:cSld>
@@ -755,7 +755,7 @@
           <p:cNvPr id="2" name="标题 1">
             <a:extLst>
               <a:ext uri="{FF2B5EF4-FFF2-40B4-BE49-F238E27FC236}">
-                <a16:creationId xmlns:a16="http://schemas.microsoft.com/office/drawing/2014/main" id="{8B4A8F9A-9FF5-A875-CC52-B471B72385D0}"/>
+                <a16:creationId xmlns:a16="http://schemas.microsoft.com/office/drawing/2014/main" id="{A40C8426-D63E-CCA7-1E0C-539383A03FD0}"/>
               </a:ext>
             </a:extLst>
           </p:cNvPr>
@@ -783,7 +783,7 @@
           <p:cNvPr id="3" name="内容占位符 2">
             <a:extLst>
               <a:ext uri="{FF2B5EF4-FFF2-40B4-BE49-F238E27FC236}">
-                <a16:creationId xmlns:a16="http://schemas.microsoft.com/office/drawing/2014/main" id="{BDD6F22C-41F2-3D2A-9273-AC9087038AC4}"/>
+                <a16:creationId xmlns:a16="http://schemas.microsoft.com/office/drawing/2014/main" id="{FDBA8830-CA7F-5DB6-A93E-B19DDAAF9E0D}"/>
               </a:ext>
             </a:extLst>
           </p:cNvPr>
@@ -840,7 +840,7 @@
           <p:cNvPr id="4" name="日期占位符 3">
             <a:extLst>
               <a:ext uri="{FF2B5EF4-FFF2-40B4-BE49-F238E27FC236}">
-                <a16:creationId xmlns:a16="http://schemas.microsoft.com/office/drawing/2014/main" id="{D031482A-E4C4-8E90-730E-F2D6B4B5436F}"/>
+                <a16:creationId xmlns:a16="http://schemas.microsoft.com/office/drawing/2014/main" id="{DA358147-9271-0780-C503-E0377C65AC07}"/>
               </a:ext>
             </a:extLst>
           </p:cNvPr>
@@ -856,7 +856,7 @@
           <a:bodyPr/>
           <a:lstStyle/>
           <a:p>
-            <a:fld id="{53672114-30C2-46B3-B522-006BDF0FFBD5}" type="datetimeFigureOut">
+            <a:fld id="{96DCA99A-0942-4E5C-8BE3-BC129AAB6874}" type="datetimeFigureOut">
               <a:rPr lang="zh-CN" altLang="en-US" smtClean="0"/>
               <a:t>2024/3/10</a:t>
             </a:fld>
@@ -869,7 +869,7 @@
           <p:cNvPr id="5" name="页脚占位符 4">
             <a:extLst>
               <a:ext uri="{FF2B5EF4-FFF2-40B4-BE49-F238E27FC236}">
-                <a16:creationId xmlns:a16="http://schemas.microsoft.com/office/drawing/2014/main" id="{A6FFA896-A593-2252-1121-E16459A38573}"/>
+                <a16:creationId xmlns:a16="http://schemas.microsoft.com/office/drawing/2014/main" id="{B7BCFF2A-932A-1A42-2DC9-8307299BCDAC}"/>
               </a:ext>
             </a:extLst>
           </p:cNvPr>
@@ -894,7 +894,7 @@
           <p:cNvPr id="6" name="灯片编号占位符 5">
             <a:extLst>
               <a:ext uri="{FF2B5EF4-FFF2-40B4-BE49-F238E27FC236}">
-                <a16:creationId xmlns:a16="http://schemas.microsoft.com/office/drawing/2014/main" id="{51284D82-513C-4E28-594F-EB31AE8CCEF8}"/>
+                <a16:creationId xmlns:a16="http://schemas.microsoft.com/office/drawing/2014/main" id="{BED1A8C5-046F-91ED-8416-A38BB0FE67B4}"/>
               </a:ext>
             </a:extLst>
           </p:cNvPr>
@@ -910,7 +910,7 @@
           <a:bodyPr/>
           <a:lstStyle/>
           <a:p>
-            <a:fld id="{227621B1-EDD7-4871-B9B8-AEC6583AC0CD}" type="slidenum">
+            <a:fld id="{270D7DBA-6E3D-4535-A78D-11AD5FB99210}" type="slidenum">
               <a:rPr lang="zh-CN" altLang="en-US" smtClean="0"/>
               <a:t>‹#›</a:t>
             </a:fld>
@@ -921,7 +921,7 @@
     </p:spTree>
     <p:extLst>
       <p:ext uri="{BB962C8B-B14F-4D97-AF65-F5344CB8AC3E}">
-        <p14:creationId xmlns:p14="http://schemas.microsoft.com/office/powerpoint/2010/main" val="3978378883"/>
+        <p14:creationId xmlns:p14="http://schemas.microsoft.com/office/powerpoint/2010/main" val="233501211"/>
       </p:ext>
     </p:extLst>
   </p:cSld>
@@ -953,7 +953,7 @@
           <p:cNvPr id="2" name="标题 1">
             <a:extLst>
               <a:ext uri="{FF2B5EF4-FFF2-40B4-BE49-F238E27FC236}">
-                <a16:creationId xmlns:a16="http://schemas.microsoft.com/office/drawing/2014/main" id="{2CB2B9BE-9CD3-A032-2FBD-A1C4FC3E2F7E}"/>
+                <a16:creationId xmlns:a16="http://schemas.microsoft.com/office/drawing/2014/main" id="{090C5B1C-DDB3-BF9D-09E4-5F152F909503}"/>
               </a:ext>
             </a:extLst>
           </p:cNvPr>
@@ -990,7 +990,7 @@
           <p:cNvPr id="3" name="文本占位符 2">
             <a:extLst>
               <a:ext uri="{FF2B5EF4-FFF2-40B4-BE49-F238E27FC236}">
-                <a16:creationId xmlns:a16="http://schemas.microsoft.com/office/drawing/2014/main" id="{3311D90D-20C8-020B-64C5-EDB44E123D2E}"/>
+                <a16:creationId xmlns:a16="http://schemas.microsoft.com/office/drawing/2014/main" id="{07F867C8-B7A2-3AB5-ACCD-368967662443}"/>
               </a:ext>
             </a:extLst>
           </p:cNvPr>
@@ -1115,7 +1115,7 @@
           <p:cNvPr id="4" name="日期占位符 3">
             <a:extLst>
               <a:ext uri="{FF2B5EF4-FFF2-40B4-BE49-F238E27FC236}">
-                <a16:creationId xmlns:a16="http://schemas.microsoft.com/office/drawing/2014/main" id="{9B345988-5D05-3401-3BD2-E56D96FE54C8}"/>
+                <a16:creationId xmlns:a16="http://schemas.microsoft.com/office/drawing/2014/main" id="{4C6CAEE1-929B-A2C6-0E0F-B7C41F6064AB}"/>
               </a:ext>
             </a:extLst>
           </p:cNvPr>
@@ -1131,7 +1131,7 @@
           <a:bodyPr/>
           <a:lstStyle/>
           <a:p>
-            <a:fld id="{53672114-30C2-46B3-B522-006BDF0FFBD5}" type="datetimeFigureOut">
+            <a:fld id="{96DCA99A-0942-4E5C-8BE3-BC129AAB6874}" type="datetimeFigureOut">
               <a:rPr lang="zh-CN" altLang="en-US" smtClean="0"/>
               <a:t>2024/3/10</a:t>
             </a:fld>
@@ -1144,7 +1144,7 @@
           <p:cNvPr id="5" name="页脚占位符 4">
             <a:extLst>
               <a:ext uri="{FF2B5EF4-FFF2-40B4-BE49-F238E27FC236}">
-                <a16:creationId xmlns:a16="http://schemas.microsoft.com/office/drawing/2014/main" id="{DDE8ACA0-9383-6786-9EDA-3C7ED8B2B33F}"/>
+                <a16:creationId xmlns:a16="http://schemas.microsoft.com/office/drawing/2014/main" id="{61481BA5-82D2-6556-3750-8C8F150F65F7}"/>
               </a:ext>
             </a:extLst>
           </p:cNvPr>
@@ -1169,7 +1169,7 @@
           <p:cNvPr id="6" name="灯片编号占位符 5">
             <a:extLst>
               <a:ext uri="{FF2B5EF4-FFF2-40B4-BE49-F238E27FC236}">
-                <a16:creationId xmlns:a16="http://schemas.microsoft.com/office/drawing/2014/main" id="{A18CFFF7-CFF6-6265-88A7-13D9BB911CFD}"/>
+                <a16:creationId xmlns:a16="http://schemas.microsoft.com/office/drawing/2014/main" id="{DBFFDDF3-2571-83A6-3A72-242215D7D86F}"/>
               </a:ext>
             </a:extLst>
           </p:cNvPr>
@@ -1185,7 +1185,7 @@
           <a:bodyPr/>
           <a:lstStyle/>
           <a:p>
-            <a:fld id="{227621B1-EDD7-4871-B9B8-AEC6583AC0CD}" type="slidenum">
+            <a:fld id="{270D7DBA-6E3D-4535-A78D-11AD5FB99210}" type="slidenum">
               <a:rPr lang="zh-CN" altLang="en-US" smtClean="0"/>
               <a:t>‹#›</a:t>
             </a:fld>
@@ -1196,7 +1196,7 @@
     </p:spTree>
     <p:extLst>
       <p:ext uri="{BB962C8B-B14F-4D97-AF65-F5344CB8AC3E}">
-        <p14:creationId xmlns:p14="http://schemas.microsoft.com/office/powerpoint/2010/main" val="505062710"/>
+        <p14:creationId xmlns:p14="http://schemas.microsoft.com/office/powerpoint/2010/main" val="2964618279"/>
       </p:ext>
     </p:extLst>
   </p:cSld>
@@ -1228,7 +1228,7 @@
           <p:cNvPr id="2" name="标题 1">
             <a:extLst>
               <a:ext uri="{FF2B5EF4-FFF2-40B4-BE49-F238E27FC236}">
-                <a16:creationId xmlns:a16="http://schemas.microsoft.com/office/drawing/2014/main" id="{EB26FEE5-1FC7-0ECA-A7B8-D3B271675EAE}"/>
+                <a16:creationId xmlns:a16="http://schemas.microsoft.com/office/drawing/2014/main" id="{90572E12-6B96-4188-5D90-41A358F4730C}"/>
               </a:ext>
             </a:extLst>
           </p:cNvPr>
@@ -1256,7 +1256,7 @@
           <p:cNvPr id="3" name="内容占位符 2">
             <a:extLst>
               <a:ext uri="{FF2B5EF4-FFF2-40B4-BE49-F238E27FC236}">
-                <a16:creationId xmlns:a16="http://schemas.microsoft.com/office/drawing/2014/main" id="{4300499E-5A1D-F5ED-BE2B-CAB0E9F9908A}"/>
+                <a16:creationId xmlns:a16="http://schemas.microsoft.com/office/drawing/2014/main" id="{062840D4-4BB1-0782-304F-CFBE2F50919C}"/>
               </a:ext>
             </a:extLst>
           </p:cNvPr>
@@ -1318,7 +1318,7 @@
           <p:cNvPr id="4" name="内容占位符 3">
             <a:extLst>
               <a:ext uri="{FF2B5EF4-FFF2-40B4-BE49-F238E27FC236}">
-                <a16:creationId xmlns:a16="http://schemas.microsoft.com/office/drawing/2014/main" id="{07878A7D-1DF9-2BB4-6FB6-D755A25A2AAD}"/>
+                <a16:creationId xmlns:a16="http://schemas.microsoft.com/office/drawing/2014/main" id="{B688BEA3-F63C-65C4-4117-31C8328BBE7C}"/>
               </a:ext>
             </a:extLst>
           </p:cNvPr>
@@ -1380,7 +1380,7 @@
           <p:cNvPr id="5" name="日期占位符 4">
             <a:extLst>
               <a:ext uri="{FF2B5EF4-FFF2-40B4-BE49-F238E27FC236}">
-                <a16:creationId xmlns:a16="http://schemas.microsoft.com/office/drawing/2014/main" id="{5FE2AE03-01D1-F8CC-BA39-FF2766D6E80B}"/>
+                <a16:creationId xmlns:a16="http://schemas.microsoft.com/office/drawing/2014/main" id="{DA1D00CF-745C-D914-C8EB-193FBE9B5FFA}"/>
               </a:ext>
             </a:extLst>
           </p:cNvPr>
@@ -1396,7 +1396,7 @@
           <a:bodyPr/>
           <a:lstStyle/>
           <a:p>
-            <a:fld id="{53672114-30C2-46B3-B522-006BDF0FFBD5}" type="datetimeFigureOut">
+            <a:fld id="{96DCA99A-0942-4E5C-8BE3-BC129AAB6874}" type="datetimeFigureOut">
               <a:rPr lang="zh-CN" altLang="en-US" smtClean="0"/>
               <a:t>2024/3/10</a:t>
             </a:fld>
@@ -1409,7 +1409,7 @@
           <p:cNvPr id="6" name="页脚占位符 5">
             <a:extLst>
               <a:ext uri="{FF2B5EF4-FFF2-40B4-BE49-F238E27FC236}">
-                <a16:creationId xmlns:a16="http://schemas.microsoft.com/office/drawing/2014/main" id="{EF30576E-4B02-630A-4FED-E8AEB4BF2ED2}"/>
+                <a16:creationId xmlns:a16="http://schemas.microsoft.com/office/drawing/2014/main" id="{63ABC092-BBB6-A117-22E2-EB22D4DE74D0}"/>
               </a:ext>
             </a:extLst>
           </p:cNvPr>
@@ -1434,7 +1434,7 @@
           <p:cNvPr id="7" name="灯片编号占位符 6">
             <a:extLst>
               <a:ext uri="{FF2B5EF4-FFF2-40B4-BE49-F238E27FC236}">
-                <a16:creationId xmlns:a16="http://schemas.microsoft.com/office/drawing/2014/main" id="{A860B601-E2CF-2BA0-9CEE-38CD4473C248}"/>
+                <a16:creationId xmlns:a16="http://schemas.microsoft.com/office/drawing/2014/main" id="{94601C33-E044-4D7A-EEE8-00A57713721C}"/>
               </a:ext>
             </a:extLst>
           </p:cNvPr>
@@ -1450,7 +1450,7 @@
           <a:bodyPr/>
           <a:lstStyle/>
           <a:p>
-            <a:fld id="{227621B1-EDD7-4871-B9B8-AEC6583AC0CD}" type="slidenum">
+            <a:fld id="{270D7DBA-6E3D-4535-A78D-11AD5FB99210}" type="slidenum">
               <a:rPr lang="zh-CN" altLang="en-US" smtClean="0"/>
               <a:t>‹#›</a:t>
             </a:fld>
@@ -1461,7 +1461,7 @@
     </p:spTree>
     <p:extLst>
       <p:ext uri="{BB962C8B-B14F-4D97-AF65-F5344CB8AC3E}">
-        <p14:creationId xmlns:p14="http://schemas.microsoft.com/office/powerpoint/2010/main" val="2015783609"/>
+        <p14:creationId xmlns:p14="http://schemas.microsoft.com/office/powerpoint/2010/main" val="1890167370"/>
       </p:ext>
     </p:extLst>
   </p:cSld>
@@ -1493,7 +1493,7 @@
           <p:cNvPr id="2" name="标题 1">
             <a:extLst>
               <a:ext uri="{FF2B5EF4-FFF2-40B4-BE49-F238E27FC236}">
-                <a16:creationId xmlns:a16="http://schemas.microsoft.com/office/drawing/2014/main" id="{BF62D5C7-03E1-130A-F55C-399DCB04F370}"/>
+                <a16:creationId xmlns:a16="http://schemas.microsoft.com/office/drawing/2014/main" id="{0B1B4F2B-E921-A7B9-E70B-48EE437A583B}"/>
               </a:ext>
             </a:extLst>
           </p:cNvPr>
@@ -1526,7 +1526,7 @@
           <p:cNvPr id="3" name="文本占位符 2">
             <a:extLst>
               <a:ext uri="{FF2B5EF4-FFF2-40B4-BE49-F238E27FC236}">
-                <a16:creationId xmlns:a16="http://schemas.microsoft.com/office/drawing/2014/main" id="{78C68B8D-2C26-F439-3621-9FD19C436FCC}"/>
+                <a16:creationId xmlns:a16="http://schemas.microsoft.com/office/drawing/2014/main" id="{E68FCC5B-9C2C-3135-212C-FDD6B16B27CE}"/>
               </a:ext>
             </a:extLst>
           </p:cNvPr>
@@ -1597,7 +1597,7 @@
           <p:cNvPr id="4" name="内容占位符 3">
             <a:extLst>
               <a:ext uri="{FF2B5EF4-FFF2-40B4-BE49-F238E27FC236}">
-                <a16:creationId xmlns:a16="http://schemas.microsoft.com/office/drawing/2014/main" id="{E33A883C-1905-3A0F-7AF7-DFA0E2B52260}"/>
+                <a16:creationId xmlns:a16="http://schemas.microsoft.com/office/drawing/2014/main" id="{9E654737-3E71-CEE9-AD8B-BC4FB7D7C466}"/>
               </a:ext>
             </a:extLst>
           </p:cNvPr>
@@ -1659,7 +1659,7 @@
           <p:cNvPr id="5" name="文本占位符 4">
             <a:extLst>
               <a:ext uri="{FF2B5EF4-FFF2-40B4-BE49-F238E27FC236}">
-                <a16:creationId xmlns:a16="http://schemas.microsoft.com/office/drawing/2014/main" id="{155F6064-7AB4-F66C-BF88-96AD2A291E98}"/>
+                <a16:creationId xmlns:a16="http://schemas.microsoft.com/office/drawing/2014/main" id="{3863FC1B-A948-DC52-B98C-3F3E16C8FF9A}"/>
               </a:ext>
             </a:extLst>
           </p:cNvPr>
@@ -1730,7 +1730,7 @@
           <p:cNvPr id="6" name="内容占位符 5">
             <a:extLst>
               <a:ext uri="{FF2B5EF4-FFF2-40B4-BE49-F238E27FC236}">
-                <a16:creationId xmlns:a16="http://schemas.microsoft.com/office/drawing/2014/main" id="{53DE18D3-FE2C-14C0-4160-EE7EF98AA556}"/>
+                <a16:creationId xmlns:a16="http://schemas.microsoft.com/office/drawing/2014/main" id="{17295608-5FBB-99D5-DE2B-B33C2E73E3E8}"/>
               </a:ext>
             </a:extLst>
           </p:cNvPr>
@@ -1792,7 +1792,7 @@
           <p:cNvPr id="7" name="日期占位符 6">
             <a:extLst>
               <a:ext uri="{FF2B5EF4-FFF2-40B4-BE49-F238E27FC236}">
-                <a16:creationId xmlns:a16="http://schemas.microsoft.com/office/drawing/2014/main" id="{D487F661-3F3B-CEA6-147F-C68B61FB9B24}"/>
+                <a16:creationId xmlns:a16="http://schemas.microsoft.com/office/drawing/2014/main" id="{525512CD-5013-E1B0-F8A0-DC40DBEFB28E}"/>
               </a:ext>
             </a:extLst>
           </p:cNvPr>
@@ -1808,7 +1808,7 @@
           <a:bodyPr/>
           <a:lstStyle/>
           <a:p>
-            <a:fld id="{53672114-30C2-46B3-B522-006BDF0FFBD5}" type="datetimeFigureOut">
+            <a:fld id="{96DCA99A-0942-4E5C-8BE3-BC129AAB6874}" type="datetimeFigureOut">
               <a:rPr lang="zh-CN" altLang="en-US" smtClean="0"/>
               <a:t>2024/3/10</a:t>
             </a:fld>
@@ -1821,7 +1821,7 @@
           <p:cNvPr id="8" name="页脚占位符 7">
             <a:extLst>
               <a:ext uri="{FF2B5EF4-FFF2-40B4-BE49-F238E27FC236}">
-                <a16:creationId xmlns:a16="http://schemas.microsoft.com/office/drawing/2014/main" id="{9DFE21D6-351F-999B-9811-4C8180CD6AC7}"/>
+                <a16:creationId xmlns:a16="http://schemas.microsoft.com/office/drawing/2014/main" id="{6B5CD998-B910-92F2-E912-8659E978EE02}"/>
               </a:ext>
             </a:extLst>
           </p:cNvPr>
@@ -1846,7 +1846,7 @@
           <p:cNvPr id="9" name="灯片编号占位符 8">
             <a:extLst>
               <a:ext uri="{FF2B5EF4-FFF2-40B4-BE49-F238E27FC236}">
-                <a16:creationId xmlns:a16="http://schemas.microsoft.com/office/drawing/2014/main" id="{BC64F0E8-ED86-C1AA-5BF6-DFEAA9A257FF}"/>
+                <a16:creationId xmlns:a16="http://schemas.microsoft.com/office/drawing/2014/main" id="{CD7ED14C-ACA0-9D95-9508-A22B6BAC3C09}"/>
               </a:ext>
             </a:extLst>
           </p:cNvPr>
@@ -1862,7 +1862,7 @@
           <a:bodyPr/>
           <a:lstStyle/>
           <a:p>
-            <a:fld id="{227621B1-EDD7-4871-B9B8-AEC6583AC0CD}" type="slidenum">
+            <a:fld id="{270D7DBA-6E3D-4535-A78D-11AD5FB99210}" type="slidenum">
               <a:rPr lang="zh-CN" altLang="en-US" smtClean="0"/>
               <a:t>‹#›</a:t>
             </a:fld>
@@ -1873,7 +1873,7 @@
     </p:spTree>
     <p:extLst>
       <p:ext uri="{BB962C8B-B14F-4D97-AF65-F5344CB8AC3E}">
-        <p14:creationId xmlns:p14="http://schemas.microsoft.com/office/powerpoint/2010/main" val="3863730303"/>
+        <p14:creationId xmlns:p14="http://schemas.microsoft.com/office/powerpoint/2010/main" val="2146256102"/>
       </p:ext>
     </p:extLst>
   </p:cSld>
@@ -1905,7 +1905,7 @@
           <p:cNvPr id="2" name="标题 1">
             <a:extLst>
               <a:ext uri="{FF2B5EF4-FFF2-40B4-BE49-F238E27FC236}">
-                <a16:creationId xmlns:a16="http://schemas.microsoft.com/office/drawing/2014/main" id="{EAAD0533-FBA1-0180-DB6C-1ED76E16C7B2}"/>
+                <a16:creationId xmlns:a16="http://schemas.microsoft.com/office/drawing/2014/main" id="{D946A1F9-8E7F-FAEF-970E-094C4552B7D6}"/>
               </a:ext>
             </a:extLst>
           </p:cNvPr>
@@ -1933,7 +1933,7 @@
           <p:cNvPr id="3" name="日期占位符 2">
             <a:extLst>
               <a:ext uri="{FF2B5EF4-FFF2-40B4-BE49-F238E27FC236}">
-                <a16:creationId xmlns:a16="http://schemas.microsoft.com/office/drawing/2014/main" id="{42DB8735-9AE0-5462-772D-0B3D0A4246BA}"/>
+                <a16:creationId xmlns:a16="http://schemas.microsoft.com/office/drawing/2014/main" id="{0534A85A-7975-318E-E748-5F0563E5E900}"/>
               </a:ext>
             </a:extLst>
           </p:cNvPr>
@@ -1949,7 +1949,7 @@
           <a:bodyPr/>
           <a:lstStyle/>
           <a:p>
-            <a:fld id="{53672114-30C2-46B3-B522-006BDF0FFBD5}" type="datetimeFigureOut">
+            <a:fld id="{96DCA99A-0942-4E5C-8BE3-BC129AAB6874}" type="datetimeFigureOut">
               <a:rPr lang="zh-CN" altLang="en-US" smtClean="0"/>
               <a:t>2024/3/10</a:t>
             </a:fld>
@@ -1962,7 +1962,7 @@
           <p:cNvPr id="4" name="页脚占位符 3">
             <a:extLst>
               <a:ext uri="{FF2B5EF4-FFF2-40B4-BE49-F238E27FC236}">
-                <a16:creationId xmlns:a16="http://schemas.microsoft.com/office/drawing/2014/main" id="{68BD4AA0-327D-BD69-593C-8D9FFCFAC4E4}"/>
+                <a16:creationId xmlns:a16="http://schemas.microsoft.com/office/drawing/2014/main" id="{FEC76B1F-269F-AC84-85B9-D0CB893BC7A1}"/>
               </a:ext>
             </a:extLst>
           </p:cNvPr>
@@ -1987,7 +1987,7 @@
           <p:cNvPr id="5" name="灯片编号占位符 4">
             <a:extLst>
               <a:ext uri="{FF2B5EF4-FFF2-40B4-BE49-F238E27FC236}">
-                <a16:creationId xmlns:a16="http://schemas.microsoft.com/office/drawing/2014/main" id="{93DEFE84-222C-AB79-8C21-384F193334A1}"/>
+                <a16:creationId xmlns:a16="http://schemas.microsoft.com/office/drawing/2014/main" id="{AA4D31B8-F215-6F88-CE24-CBA6CE197FED}"/>
               </a:ext>
             </a:extLst>
           </p:cNvPr>
@@ -2003,7 +2003,7 @@
           <a:bodyPr/>
           <a:lstStyle/>
           <a:p>
-            <a:fld id="{227621B1-EDD7-4871-B9B8-AEC6583AC0CD}" type="slidenum">
+            <a:fld id="{270D7DBA-6E3D-4535-A78D-11AD5FB99210}" type="slidenum">
               <a:rPr lang="zh-CN" altLang="en-US" smtClean="0"/>
               <a:t>‹#›</a:t>
             </a:fld>
@@ -2014,7 +2014,7 @@
     </p:spTree>
     <p:extLst>
       <p:ext uri="{BB962C8B-B14F-4D97-AF65-F5344CB8AC3E}">
-        <p14:creationId xmlns:p14="http://schemas.microsoft.com/office/powerpoint/2010/main" val="2928233777"/>
+        <p14:creationId xmlns:p14="http://schemas.microsoft.com/office/powerpoint/2010/main" val="4159834536"/>
       </p:ext>
     </p:extLst>
   </p:cSld>
@@ -2046,7 +2046,7 @@
           <p:cNvPr id="2" name="日期占位符 1">
             <a:extLst>
               <a:ext uri="{FF2B5EF4-FFF2-40B4-BE49-F238E27FC236}">
-                <a16:creationId xmlns:a16="http://schemas.microsoft.com/office/drawing/2014/main" id="{59DB5E50-984B-7A76-2870-8D66E27AE0A3}"/>
+                <a16:creationId xmlns:a16="http://schemas.microsoft.com/office/drawing/2014/main" id="{0436E732-571D-86A5-C554-6A9A3611790F}"/>
               </a:ext>
             </a:extLst>
           </p:cNvPr>
@@ -2062,7 +2062,7 @@
           <a:bodyPr/>
           <a:lstStyle/>
           <a:p>
-            <a:fld id="{53672114-30C2-46B3-B522-006BDF0FFBD5}" type="datetimeFigureOut">
+            <a:fld id="{96DCA99A-0942-4E5C-8BE3-BC129AAB6874}" type="datetimeFigureOut">
               <a:rPr lang="zh-CN" altLang="en-US" smtClean="0"/>
               <a:t>2024/3/10</a:t>
             </a:fld>
@@ -2075,7 +2075,7 @@
           <p:cNvPr id="3" name="页脚占位符 2">
             <a:extLst>
               <a:ext uri="{FF2B5EF4-FFF2-40B4-BE49-F238E27FC236}">
-                <a16:creationId xmlns:a16="http://schemas.microsoft.com/office/drawing/2014/main" id="{CE7E3E1A-03B9-9A83-B4A2-D3D54EC35F15}"/>
+                <a16:creationId xmlns:a16="http://schemas.microsoft.com/office/drawing/2014/main" id="{D31FB045-9AD2-DF06-A8B1-EBE7FC8E5E1C}"/>
               </a:ext>
             </a:extLst>
           </p:cNvPr>
@@ -2100,7 +2100,7 @@
           <p:cNvPr id="4" name="灯片编号占位符 3">
             <a:extLst>
               <a:ext uri="{FF2B5EF4-FFF2-40B4-BE49-F238E27FC236}">
-                <a16:creationId xmlns:a16="http://schemas.microsoft.com/office/drawing/2014/main" id="{70C40CA9-AC96-B5E0-AF1F-A73B636433AF}"/>
+                <a16:creationId xmlns:a16="http://schemas.microsoft.com/office/drawing/2014/main" id="{3E6E8442-A984-6149-F887-7F97328EF630}"/>
               </a:ext>
             </a:extLst>
           </p:cNvPr>
@@ -2116,7 +2116,7 @@
           <a:bodyPr/>
           <a:lstStyle/>
           <a:p>
-            <a:fld id="{227621B1-EDD7-4871-B9B8-AEC6583AC0CD}" type="slidenum">
+            <a:fld id="{270D7DBA-6E3D-4535-A78D-11AD5FB99210}" type="slidenum">
               <a:rPr lang="zh-CN" altLang="en-US" smtClean="0"/>
               <a:t>‹#›</a:t>
             </a:fld>
@@ -2127,7 +2127,7 @@
     </p:spTree>
     <p:extLst>
       <p:ext uri="{BB962C8B-B14F-4D97-AF65-F5344CB8AC3E}">
-        <p14:creationId xmlns:p14="http://schemas.microsoft.com/office/powerpoint/2010/main" val="4055121726"/>
+        <p14:creationId xmlns:p14="http://schemas.microsoft.com/office/powerpoint/2010/main" val="1367301"/>
       </p:ext>
     </p:extLst>
   </p:cSld>
@@ -2159,7 +2159,7 @@
           <p:cNvPr id="2" name="标题 1">
             <a:extLst>
               <a:ext uri="{FF2B5EF4-FFF2-40B4-BE49-F238E27FC236}">
-                <a16:creationId xmlns:a16="http://schemas.microsoft.com/office/drawing/2014/main" id="{B9EA1D9C-BB66-B9CD-DF38-1C8A5CEB3E38}"/>
+                <a16:creationId xmlns:a16="http://schemas.microsoft.com/office/drawing/2014/main" id="{9D998D7F-E8F0-BC99-E1CA-1FC85C5A975E}"/>
               </a:ext>
             </a:extLst>
           </p:cNvPr>
@@ -2196,7 +2196,7 @@
           <p:cNvPr id="3" name="内容占位符 2">
             <a:extLst>
               <a:ext uri="{FF2B5EF4-FFF2-40B4-BE49-F238E27FC236}">
-                <a16:creationId xmlns:a16="http://schemas.microsoft.com/office/drawing/2014/main" id="{9F53E50E-065B-F591-B026-AECD6ED63445}"/>
+                <a16:creationId xmlns:a16="http://schemas.microsoft.com/office/drawing/2014/main" id="{DA743BFA-BBA2-C00E-2140-A39D9A564826}"/>
               </a:ext>
             </a:extLst>
           </p:cNvPr>
@@ -2286,7 +2286,7 @@
           <p:cNvPr id="4" name="文本占位符 3">
             <a:extLst>
               <a:ext uri="{FF2B5EF4-FFF2-40B4-BE49-F238E27FC236}">
-                <a16:creationId xmlns:a16="http://schemas.microsoft.com/office/drawing/2014/main" id="{AFBF9B7A-4E75-80BF-1685-F3CBD5CBF388}"/>
+                <a16:creationId xmlns:a16="http://schemas.microsoft.com/office/drawing/2014/main" id="{5073CEA2-E056-B4ED-A37E-3A8A0181EF6C}"/>
               </a:ext>
             </a:extLst>
           </p:cNvPr>
@@ -2357,7 +2357,7 @@
           <p:cNvPr id="5" name="日期占位符 4">
             <a:extLst>
               <a:ext uri="{FF2B5EF4-FFF2-40B4-BE49-F238E27FC236}">
-                <a16:creationId xmlns:a16="http://schemas.microsoft.com/office/drawing/2014/main" id="{35D4B37D-21D8-6DE8-434F-6F29E610127C}"/>
+                <a16:creationId xmlns:a16="http://schemas.microsoft.com/office/drawing/2014/main" id="{5F9119CA-D1C4-5B65-5E97-F9B412BCB9E2}"/>
               </a:ext>
             </a:extLst>
           </p:cNvPr>
@@ -2373,7 +2373,7 @@
           <a:bodyPr/>
           <a:lstStyle/>
           <a:p>
-            <a:fld id="{53672114-30C2-46B3-B522-006BDF0FFBD5}" type="datetimeFigureOut">
+            <a:fld id="{96DCA99A-0942-4E5C-8BE3-BC129AAB6874}" type="datetimeFigureOut">
               <a:rPr lang="zh-CN" altLang="en-US" smtClean="0"/>
               <a:t>2024/3/10</a:t>
             </a:fld>
@@ -2386,7 +2386,7 @@
           <p:cNvPr id="6" name="页脚占位符 5">
             <a:extLst>
               <a:ext uri="{FF2B5EF4-FFF2-40B4-BE49-F238E27FC236}">
-                <a16:creationId xmlns:a16="http://schemas.microsoft.com/office/drawing/2014/main" id="{3879B119-14CB-AAD6-6746-F4843A97EB4E}"/>
+                <a16:creationId xmlns:a16="http://schemas.microsoft.com/office/drawing/2014/main" id="{1F6AFC42-8FC0-82C6-F5E3-CE07F48C92AC}"/>
               </a:ext>
             </a:extLst>
           </p:cNvPr>
@@ -2411,7 +2411,7 @@
           <p:cNvPr id="7" name="灯片编号占位符 6">
             <a:extLst>
               <a:ext uri="{FF2B5EF4-FFF2-40B4-BE49-F238E27FC236}">
-                <a16:creationId xmlns:a16="http://schemas.microsoft.com/office/drawing/2014/main" id="{05D9840A-5369-31D7-7CEF-731DE4DE770A}"/>
+                <a16:creationId xmlns:a16="http://schemas.microsoft.com/office/drawing/2014/main" id="{AB5B4A13-114F-C0DE-8FF5-39B63B9ABA5F}"/>
               </a:ext>
             </a:extLst>
           </p:cNvPr>
@@ -2427,7 +2427,7 @@
           <a:bodyPr/>
           <a:lstStyle/>
           <a:p>
-            <a:fld id="{227621B1-EDD7-4871-B9B8-AEC6583AC0CD}" type="slidenum">
+            <a:fld id="{270D7DBA-6E3D-4535-A78D-11AD5FB99210}" type="slidenum">
               <a:rPr lang="zh-CN" altLang="en-US" smtClean="0"/>
               <a:t>‹#›</a:t>
             </a:fld>
@@ -2438,7 +2438,7 @@
     </p:spTree>
     <p:extLst>
       <p:ext uri="{BB962C8B-B14F-4D97-AF65-F5344CB8AC3E}">
-        <p14:creationId xmlns:p14="http://schemas.microsoft.com/office/powerpoint/2010/main" val="2046302859"/>
+        <p14:creationId xmlns:p14="http://schemas.microsoft.com/office/powerpoint/2010/main" val="3858981453"/>
       </p:ext>
     </p:extLst>
   </p:cSld>
@@ -2470,7 +2470,7 @@
           <p:cNvPr id="2" name="标题 1">
             <a:extLst>
               <a:ext uri="{FF2B5EF4-FFF2-40B4-BE49-F238E27FC236}">
-                <a16:creationId xmlns:a16="http://schemas.microsoft.com/office/drawing/2014/main" id="{4769CA3A-2AFC-DF6C-36F5-12C9F21A5499}"/>
+                <a16:creationId xmlns:a16="http://schemas.microsoft.com/office/drawing/2014/main" id="{AF02327D-B868-0329-E9BC-A485611B6E21}"/>
               </a:ext>
             </a:extLst>
           </p:cNvPr>
@@ -2507,7 +2507,7 @@
           <p:cNvPr id="3" name="图片占位符 2">
             <a:extLst>
               <a:ext uri="{FF2B5EF4-FFF2-40B4-BE49-F238E27FC236}">
-                <a16:creationId xmlns:a16="http://schemas.microsoft.com/office/drawing/2014/main" id="{7CDD61AD-1D7F-ABAB-C8EB-7556D601F6BC}"/>
+                <a16:creationId xmlns:a16="http://schemas.microsoft.com/office/drawing/2014/main" id="{7B931EDF-9E6B-6C2D-51F6-7C6AEA5EBB1C}"/>
               </a:ext>
             </a:extLst>
           </p:cNvPr>
@@ -2574,7 +2574,7 @@
           <p:cNvPr id="4" name="文本占位符 3">
             <a:extLst>
               <a:ext uri="{FF2B5EF4-FFF2-40B4-BE49-F238E27FC236}">
-                <a16:creationId xmlns:a16="http://schemas.microsoft.com/office/drawing/2014/main" id="{3704767A-EFB6-A0DB-A7A1-CB5DBB124A4B}"/>
+                <a16:creationId xmlns:a16="http://schemas.microsoft.com/office/drawing/2014/main" id="{214A2372-426F-6D78-A548-DDD02FE12234}"/>
               </a:ext>
             </a:extLst>
           </p:cNvPr>
@@ -2645,7 +2645,7 @@
           <p:cNvPr id="5" name="日期占位符 4">
             <a:extLst>
               <a:ext uri="{FF2B5EF4-FFF2-40B4-BE49-F238E27FC236}">
-                <a16:creationId xmlns:a16="http://schemas.microsoft.com/office/drawing/2014/main" id="{E93965F3-E25D-6B77-64A0-71D9396A3C31}"/>
+                <a16:creationId xmlns:a16="http://schemas.microsoft.com/office/drawing/2014/main" id="{CB145F46-543F-FFBE-7FA1-F8C22EE80752}"/>
               </a:ext>
             </a:extLst>
           </p:cNvPr>
@@ -2661,7 +2661,7 @@
           <a:bodyPr/>
           <a:lstStyle/>
           <a:p>
-            <a:fld id="{53672114-30C2-46B3-B522-006BDF0FFBD5}" type="datetimeFigureOut">
+            <a:fld id="{96DCA99A-0942-4E5C-8BE3-BC129AAB6874}" type="datetimeFigureOut">
               <a:rPr lang="zh-CN" altLang="en-US" smtClean="0"/>
               <a:t>2024/3/10</a:t>
             </a:fld>
@@ -2674,7 +2674,7 @@
           <p:cNvPr id="6" name="页脚占位符 5">
             <a:extLst>
               <a:ext uri="{FF2B5EF4-FFF2-40B4-BE49-F238E27FC236}">
-                <a16:creationId xmlns:a16="http://schemas.microsoft.com/office/drawing/2014/main" id="{7BEBE9BF-AFEC-0F0B-66D0-3FFED638E280}"/>
+                <a16:creationId xmlns:a16="http://schemas.microsoft.com/office/drawing/2014/main" id="{7CFEE184-144C-8431-FD75-84DC98932138}"/>
               </a:ext>
             </a:extLst>
           </p:cNvPr>
@@ -2699,7 +2699,7 @@
           <p:cNvPr id="7" name="灯片编号占位符 6">
             <a:extLst>
               <a:ext uri="{FF2B5EF4-FFF2-40B4-BE49-F238E27FC236}">
-                <a16:creationId xmlns:a16="http://schemas.microsoft.com/office/drawing/2014/main" id="{5E4DE825-A370-1021-1A13-A41E0ED01094}"/>
+                <a16:creationId xmlns:a16="http://schemas.microsoft.com/office/drawing/2014/main" id="{F3B0894E-624F-D6C2-BC6C-D5FD92EA7816}"/>
               </a:ext>
             </a:extLst>
           </p:cNvPr>
@@ -2715,7 +2715,7 @@
           <a:bodyPr/>
           <a:lstStyle/>
           <a:p>
-            <a:fld id="{227621B1-EDD7-4871-B9B8-AEC6583AC0CD}" type="slidenum">
+            <a:fld id="{270D7DBA-6E3D-4535-A78D-11AD5FB99210}" type="slidenum">
               <a:rPr lang="zh-CN" altLang="en-US" smtClean="0"/>
               <a:t>‹#›</a:t>
             </a:fld>
@@ -2726,7 +2726,7 @@
     </p:spTree>
     <p:extLst>
       <p:ext uri="{BB962C8B-B14F-4D97-AF65-F5344CB8AC3E}">
-        <p14:creationId xmlns:p14="http://schemas.microsoft.com/office/powerpoint/2010/main" val="799107495"/>
+        <p14:creationId xmlns:p14="http://schemas.microsoft.com/office/powerpoint/2010/main" val="2118522503"/>
       </p:ext>
     </p:extLst>
   </p:cSld>
@@ -2763,7 +2763,7 @@
           <p:cNvPr id="2" name="标题占位符 1">
             <a:extLst>
               <a:ext uri="{FF2B5EF4-FFF2-40B4-BE49-F238E27FC236}">
-                <a16:creationId xmlns:a16="http://schemas.microsoft.com/office/drawing/2014/main" id="{0006EE3D-F86F-5EC5-7B40-4CB89960A05C}"/>
+                <a16:creationId xmlns:a16="http://schemas.microsoft.com/office/drawing/2014/main" id="{6DE6F80B-C802-BD9E-BEB5-2FE578CE19E1}"/>
               </a:ext>
             </a:extLst>
           </p:cNvPr>
@@ -2801,7 +2801,7 @@
           <p:cNvPr id="3" name="文本占位符 2">
             <a:extLst>
               <a:ext uri="{FF2B5EF4-FFF2-40B4-BE49-F238E27FC236}">
-                <a16:creationId xmlns:a16="http://schemas.microsoft.com/office/drawing/2014/main" id="{03F01F36-F801-6BA0-0CAD-0F2EA1AE231C}"/>
+                <a16:creationId xmlns:a16="http://schemas.microsoft.com/office/drawing/2014/main" id="{108F5EA0-ECE2-B6D4-BBEB-0766497B5AF2}"/>
               </a:ext>
             </a:extLst>
           </p:cNvPr>
@@ -2868,7 +2868,7 @@
           <p:cNvPr id="4" name="日期占位符 3">
             <a:extLst>
               <a:ext uri="{FF2B5EF4-FFF2-40B4-BE49-F238E27FC236}">
-                <a16:creationId xmlns:a16="http://schemas.microsoft.com/office/drawing/2014/main" id="{897CA94E-829B-4930-37E7-88044DAEF804}"/>
+                <a16:creationId xmlns:a16="http://schemas.microsoft.com/office/drawing/2014/main" id="{3B18FCCE-ECA8-B79F-EED8-CAED586AA33C}"/>
               </a:ext>
             </a:extLst>
           </p:cNvPr>
@@ -2902,7 +2902,7 @@
             </a:lvl1pPr>
           </a:lstStyle>
           <a:p>
-            <a:fld id="{53672114-30C2-46B3-B522-006BDF0FFBD5}" type="datetimeFigureOut">
+            <a:fld id="{96DCA99A-0942-4E5C-8BE3-BC129AAB6874}" type="datetimeFigureOut">
               <a:rPr lang="zh-CN" altLang="en-US" smtClean="0"/>
               <a:t>2024/3/10</a:t>
             </a:fld>
@@ -2915,7 +2915,7 @@
           <p:cNvPr id="5" name="页脚占位符 4">
             <a:extLst>
               <a:ext uri="{FF2B5EF4-FFF2-40B4-BE49-F238E27FC236}">
-                <a16:creationId xmlns:a16="http://schemas.microsoft.com/office/drawing/2014/main" id="{41CFEADD-A1F2-4375-A2CC-8BF2F02A975C}"/>
+                <a16:creationId xmlns:a16="http://schemas.microsoft.com/office/drawing/2014/main" id="{BAC51DF1-8E44-3C20-CF88-851DCD2E4AAD}"/>
               </a:ext>
             </a:extLst>
           </p:cNvPr>
@@ -2958,7 +2958,7 @@
           <p:cNvPr id="6" name="灯片编号占位符 5">
             <a:extLst>
               <a:ext uri="{FF2B5EF4-FFF2-40B4-BE49-F238E27FC236}">
-                <a16:creationId xmlns:a16="http://schemas.microsoft.com/office/drawing/2014/main" id="{4C96EEAE-BA79-5856-793B-AAE006F38F79}"/>
+                <a16:creationId xmlns:a16="http://schemas.microsoft.com/office/drawing/2014/main" id="{E7F52EBC-53CC-F2F2-2000-A5B2A14F5A34}"/>
               </a:ext>
             </a:extLst>
           </p:cNvPr>
@@ -2992,7 +2992,7 @@
             </a:lvl1pPr>
           </a:lstStyle>
           <a:p>
-            <a:fld id="{227621B1-EDD7-4871-B9B8-AEC6583AC0CD}" type="slidenum">
+            <a:fld id="{270D7DBA-6E3D-4535-A78D-11AD5FB99210}" type="slidenum">
               <a:rPr lang="zh-CN" altLang="en-US" smtClean="0"/>
               <a:t>‹#›</a:t>
             </a:fld>
@@ -3003,7 +3003,7 @@
     </p:spTree>
     <p:extLst>
       <p:ext uri="{BB962C8B-B14F-4D97-AF65-F5344CB8AC3E}">
-        <p14:creationId xmlns:p14="http://schemas.microsoft.com/office/powerpoint/2010/main" val="1037914859"/>
+        <p14:creationId xmlns:p14="http://schemas.microsoft.com/office/powerpoint/2010/main" val="2262417641"/>
       </p:ext>
     </p:extLst>
   </p:cSld>
@@ -3323,7 +3323,7 @@
       </p:grpSpPr>
       <p:pic>
         <p:nvPicPr>
-          <p:cNvPr id="309250" name="Picture 2" descr="301"/>
+          <p:cNvPr id="310274" name="Picture 2" descr="302"/>
           <p:cNvPicPr>
             <a:picLocks noChangeAspect="1" noChangeArrowheads="1"/>
           </p:cNvPicPr>
@@ -3345,7 +3345,7 @@
         <p:spPr bwMode="auto">
           <a:xfrm>
             <a:off x="1524000" y="0"/>
-            <a:ext cx="9144000" cy="5805488"/>
+            <a:ext cx="9144000" cy="6858000"/>
           </a:xfrm>
           <a:prstGeom prst="rect">
             <a:avLst/>
@@ -3375,11 +3375,158 @@
           </a:extLst>
         </p:spPr>
       </p:pic>
+      <p:pic>
+        <p:nvPicPr>
+          <p:cNvPr id="311299" name="Picture 3" descr="302-2"/>
+          <p:cNvPicPr>
+            <a:picLocks noChangeAspect="1" noChangeArrowheads="1"/>
+          </p:cNvPicPr>
+          <p:nvPr/>
+        </p:nvPicPr>
+        <p:blipFill>
+          <a:blip r:embed="rId3">
+            <a:extLst>
+              <a:ext uri="{28A0092B-C50C-407E-A947-70E740481C1C}">
+                <a14:useLocalDpi xmlns:a14="http://schemas.microsoft.com/office/drawing/2010/main" val="0"/>
+              </a:ext>
+            </a:extLst>
+          </a:blip>
+          <a:srcRect/>
+          <a:stretch>
+            <a:fillRect/>
+          </a:stretch>
+        </p:blipFill>
+        <p:spPr bwMode="auto">
+          <a:xfrm>
+            <a:off x="1524000" y="0"/>
+            <a:ext cx="9144000" cy="6858000"/>
+          </a:xfrm>
+          <a:prstGeom prst="rect">
+            <a:avLst/>
+          </a:prstGeom>
+          <a:noFill/>
+          <a:ln>
+            <a:noFill/>
+          </a:ln>
+          <a:effectLst/>
+          <a:extLst>
+            <a:ext uri="{909E8E84-426E-40DD-AFC4-6F175D3DCCD1}">
+              <a14:hiddenFill xmlns:a14="http://schemas.microsoft.com/office/drawing/2010/main">
+                <a:solidFill>
+                  <a:srgbClr val="FFFFFF"/>
+                </a:solidFill>
+              </a14:hiddenFill>
+            </a:ext>
+            <a:ext uri="{91240B29-F687-4F45-9708-019B960494DF}">
+              <a14:hiddenLine xmlns:a14="http://schemas.microsoft.com/office/drawing/2010/main" w="9525">
+                <a:solidFill>
+                  <a:srgbClr val="000000"/>
+                </a:solidFill>
+                <a:miter lim="800000"/>
+                <a:headEnd/>
+                <a:tailEnd/>
+              </a14:hiddenLine>
+            </a:ext>
+            <a:ext uri="{AF507438-7753-43E0-B8FC-AC1667EBCBE1}">
+              <a14:hiddenEffects xmlns:a14="http://schemas.microsoft.com/office/drawing/2010/main">
+                <a:effectLst>
+                  <a:outerShdw dist="35921" dir="2700000" algn="ctr" rotWithShape="0">
+                    <a:srgbClr val="808080"/>
+                  </a:outerShdw>
+                </a:effectLst>
+              </a14:hiddenEffects>
+            </a:ext>
+          </a:extLst>
+        </p:spPr>
+      </p:pic>
     </p:spTree>
   </p:cSld>
   <p:clrMapOvr>
     <a:masterClrMapping/>
   </p:clrMapOvr>
+  <p:timing>
+    <p:tnLst>
+      <p:par>
+        <p:cTn id="1" dur="indefinite" restart="never" nodeType="tmRoot">
+          <p:childTnLst>
+            <p:seq concurrent="1" nextAc="seek">
+              <p:cTn id="2" dur="indefinite" nodeType="mainSeq">
+                <p:childTnLst>
+                  <p:par>
+                    <p:cTn id="3" fill="hold" nodeType="clickPar">
+                      <p:stCondLst>
+                        <p:cond delay="indefinite"/>
+                      </p:stCondLst>
+                      <p:childTnLst>
+                        <p:par>
+                          <p:cTn id="4" fill="hold" nodeType="withGroup">
+                            <p:stCondLst>
+                              <p:cond delay="0"/>
+                            </p:stCondLst>
+                            <p:childTnLst>
+                              <p:par>
+                                <p:cTn id="5" presetID="10" presetClass="entr" presetSubtype="0" fill="hold" nodeType="clickEffect">
+                                  <p:stCondLst>
+                                    <p:cond delay="0"/>
+                                  </p:stCondLst>
+                                  <p:childTnLst>
+                                    <p:set>
+                                      <p:cBhvr>
+                                        <p:cTn id="6" dur="1" fill="hold">
+                                          <p:stCondLst>
+                                            <p:cond delay="0"/>
+                                          </p:stCondLst>
+                                        </p:cTn>
+                                        <p:tgtEl>
+                                          <p:spTgt spid="311299"/>
+                                        </p:tgtEl>
+                                        <p:attrNameLst>
+                                          <p:attrName>style.visibility</p:attrName>
+                                        </p:attrNameLst>
+                                      </p:cBhvr>
+                                      <p:to>
+                                        <p:strVal val="visible"/>
+                                      </p:to>
+                                    </p:set>
+                                    <p:animEffect transition="in" filter="fade">
+                                      <p:cBhvr>
+                                        <p:cTn id="7" dur="500"/>
+                                        <p:tgtEl>
+                                          <p:spTgt spid="311299"/>
+                                        </p:tgtEl>
+                                      </p:cBhvr>
+                                    </p:animEffect>
+                                  </p:childTnLst>
+                                </p:cTn>
+                              </p:par>
+                            </p:childTnLst>
+                          </p:cTn>
+                        </p:par>
+                      </p:childTnLst>
+                    </p:cTn>
+                  </p:par>
+                </p:childTnLst>
+              </p:cTn>
+              <p:prevCondLst>
+                <p:cond evt="onPrev" delay="0">
+                  <p:tgtEl>
+                    <p:sldTgt/>
+                  </p:tgtEl>
+                </p:cond>
+              </p:prevCondLst>
+              <p:nextCondLst>
+                <p:cond evt="onNext" delay="0">
+                  <p:tgtEl>
+                    <p:sldTgt/>
+                  </p:tgtEl>
+                </p:cond>
+              </p:nextCondLst>
+            </p:seq>
+          </p:childTnLst>
+        </p:cTn>
+      </p:par>
+    </p:tnLst>
+  </p:timing>
 </p:sld>
 </file>
 
